--- a/Cloud Computing/Fundamentos da Computação em Nuvem.pptx
+++ b/Cloud Computing/Fundamentos da Computação em Nuvem.pptx
@@ -18976,794 +18976,794 @@
           <a:lstStyle/>
           <a:p>
             <a:r>
-              <a:rPr lang="en-US" dirty="0" err="1"/>
+              <a:rPr lang="en-US" sz="2400" dirty="0" err="1"/>
               <a:t>Maior</a:t>
             </a:r>
             <a:r>
-              <a:rPr lang="en-US" dirty="0"/>
+              <a:rPr lang="en-US" sz="2400" dirty="0"/>
               <a:t> </a:t>
             </a:r>
             <a:r>
-              <a:rPr lang="en-US" dirty="0" err="1"/>
+              <a:rPr lang="en-US" sz="2400" dirty="0" err="1"/>
               <a:t>evolução</a:t>
             </a:r>
             <a:r>
-              <a:rPr lang="en-US" dirty="0"/>
+              <a:rPr lang="en-US" sz="2400" dirty="0"/>
               <a:t> </a:t>
             </a:r>
             <a:r>
-              <a:rPr lang="en-US" dirty="0" err="1"/>
+              <a:rPr lang="en-US" sz="2400" dirty="0" err="1"/>
               <a:t>em</a:t>
             </a:r>
             <a:r>
-              <a:rPr lang="en-US" dirty="0"/>
+              <a:rPr lang="en-US" sz="2400" dirty="0"/>
               <a:t> </a:t>
             </a:r>
             <a:r>
-              <a:rPr lang="en-US" dirty="0" err="1"/>
+              <a:rPr lang="en-US" sz="2400" dirty="0" err="1"/>
               <a:t>computação</a:t>
             </a:r>
             <a:r>
-              <a:rPr lang="en-US" dirty="0"/>
+              <a:rPr lang="en-US" sz="2400" dirty="0"/>
               <a:t>;</a:t>
             </a:r>
           </a:p>
           <a:p>
             <a:pPr lvl="1"/>
             <a:r>
-              <a:rPr lang="en-US" dirty="0" err="1"/>
+              <a:rPr lang="en-US" sz="2000" dirty="0" err="1"/>
               <a:t>Objetivo</a:t>
             </a:r>
             <a:r>
-              <a:rPr lang="en-US" dirty="0"/>
+              <a:rPr lang="en-US" sz="2000" dirty="0"/>
               <a:t> </a:t>
             </a:r>
             <a:r>
-              <a:rPr lang="en-US" dirty="0" err="1"/>
+              <a:rPr lang="en-US" sz="2000" dirty="0" err="1"/>
               <a:t>comum</a:t>
             </a:r>
             <a:r>
-              <a:rPr lang="en-US" dirty="0"/>
+              <a:rPr lang="en-US" sz="2000" dirty="0"/>
               <a:t> de </a:t>
             </a:r>
             <a:r>
-              <a:rPr lang="en-US" dirty="0" err="1"/>
+              <a:rPr lang="en-US" sz="2000" dirty="0" err="1"/>
               <a:t>todos</a:t>
             </a:r>
             <a:r>
-              <a:rPr lang="en-US" dirty="0"/>
+              <a:rPr lang="en-US" sz="2000" dirty="0"/>
               <a:t> </a:t>
             </a:r>
             <a:r>
-              <a:rPr lang="en-US" dirty="0" err="1"/>
+              <a:rPr lang="en-US" sz="2000" dirty="0" err="1"/>
               <a:t>os</a:t>
             </a:r>
             <a:r>
-              <a:rPr lang="en-US" dirty="0"/>
+              <a:rPr lang="en-US" sz="2000" dirty="0"/>
               <a:t> </a:t>
             </a:r>
             <a:r>
-              <a:rPr lang="en-US" dirty="0" err="1"/>
+              <a:rPr lang="en-US" sz="2000" dirty="0" err="1"/>
               <a:t>modelos</a:t>
             </a:r>
             <a:r>
-              <a:rPr lang="en-US" dirty="0"/>
+              <a:rPr lang="en-US" sz="2000" dirty="0"/>
               <a:t> </a:t>
             </a:r>
             <a:r>
-              <a:rPr lang="en-US" dirty="0" err="1"/>
+              <a:rPr lang="en-US" sz="2000" dirty="0" err="1"/>
               <a:t>computacionais</a:t>
             </a:r>
             <a:r>
-              <a:rPr lang="en-US" dirty="0"/>
+              <a:rPr lang="en-US" sz="2000" dirty="0"/>
               <a:t> </a:t>
             </a:r>
             <a:r>
-              <a:rPr lang="en-US" dirty="0" err="1"/>
+              <a:rPr lang="en-US" sz="2000" dirty="0" err="1"/>
               <a:t>anteriores</a:t>
             </a:r>
-            <a:endParaRPr lang="en-US" dirty="0"/>
+            <a:endParaRPr lang="en-US" sz="2000" dirty="0"/>
           </a:p>
           <a:p>
             <a:pPr lvl="1"/>
             <a:r>
-              <a:rPr lang="en-US" dirty="0" err="1"/>
+              <a:rPr lang="en-US" sz="2000" dirty="0" err="1"/>
               <a:t>Contextualizar</a:t>
             </a:r>
             <a:r>
-              <a:rPr lang="en-US" dirty="0"/>
+              <a:rPr lang="en-US" sz="2000" dirty="0"/>
               <a:t> o </a:t>
             </a:r>
             <a:r>
-              <a:rPr lang="en-US" dirty="0" err="1"/>
+              <a:rPr lang="en-US" sz="2000" dirty="0" err="1"/>
               <a:t>crescimento</a:t>
             </a:r>
             <a:r>
-              <a:rPr lang="en-US" dirty="0"/>
+              <a:rPr lang="en-US" sz="2000" dirty="0"/>
               <a:t> antes do </a:t>
             </a:r>
             <a:r>
-              <a:rPr lang="en-US" dirty="0" err="1"/>
+              <a:rPr lang="en-US" sz="2000" dirty="0" err="1"/>
               <a:t>problema</a:t>
             </a:r>
-            <a:endParaRPr lang="en-US" dirty="0"/>
+            <a:endParaRPr lang="en-US" sz="2000" dirty="0"/>
           </a:p>
           <a:p>
             <a:pPr lvl="1"/>
             <a:r>
-              <a:rPr lang="en-US" dirty="0" err="1"/>
+              <a:rPr lang="en-US" sz="2000" dirty="0" err="1"/>
               <a:t>Complexidade</a:t>
             </a:r>
             <a:r>
-              <a:rPr lang="en-US" dirty="0"/>
+              <a:rPr lang="en-US" sz="2000" dirty="0"/>
               <a:t> dos Datacenters</a:t>
             </a:r>
           </a:p>
           <a:p>
             <a:pPr lvl="2"/>
             <a:r>
-              <a:rPr lang="en-US" dirty="0"/>
+              <a:rPr lang="en-US" sz="1800" dirty="0"/>
               <a:t>Com </a:t>
             </a:r>
             <a:r>
-              <a:rPr lang="en-US" dirty="0" err="1"/>
+              <a:rPr lang="en-US" sz="1800" dirty="0" err="1"/>
               <a:t>cada</a:t>
             </a:r>
             <a:r>
-              <a:rPr lang="en-US" dirty="0"/>
+              <a:rPr lang="en-US" sz="1800" dirty="0"/>
               <a:t> </a:t>
             </a:r>
             <a:r>
-              <a:rPr lang="en-US" dirty="0" err="1"/>
+              <a:rPr lang="en-US" sz="1800" dirty="0" err="1"/>
               <a:t>uma</a:t>
             </a:r>
             <a:r>
-              <a:rPr lang="en-US" dirty="0"/>
+              <a:rPr lang="en-US" sz="1800" dirty="0"/>
               <a:t> das </a:t>
             </a:r>
             <a:r>
-              <a:rPr lang="en-US" dirty="0" err="1"/>
+              <a:rPr lang="en-US" sz="1800" dirty="0" err="1"/>
               <a:t>transições</a:t>
             </a:r>
             <a:r>
-              <a:rPr lang="en-US" dirty="0"/>
+              <a:rPr lang="en-US" sz="1800" dirty="0"/>
               <a:t> de </a:t>
             </a:r>
             <a:r>
-              <a:rPr lang="en-US" dirty="0" err="1"/>
+              <a:rPr lang="en-US" sz="1800" dirty="0" err="1"/>
               <a:t>estilos</a:t>
             </a:r>
             <a:r>
-              <a:rPr lang="en-US" dirty="0"/>
+              <a:rPr lang="en-US" sz="1800" dirty="0"/>
               <a:t> </a:t>
             </a:r>
             <a:r>
-              <a:rPr lang="en-US" dirty="0" err="1"/>
+              <a:rPr lang="en-US" sz="1800" dirty="0" err="1"/>
               <a:t>computacionais</a:t>
             </a:r>
             <a:r>
-              <a:rPr lang="en-US" dirty="0"/>
+              <a:rPr lang="en-US" sz="1800" dirty="0"/>
               <a:t> </a:t>
             </a:r>
             <a:r>
-              <a:rPr lang="en-US" dirty="0" err="1"/>
+              <a:rPr lang="en-US" sz="1800" dirty="0" err="1"/>
               <a:t>mencionadas</a:t>
             </a:r>
             <a:r>
-              <a:rPr lang="en-US" dirty="0"/>
+              <a:rPr lang="en-US" sz="1800" dirty="0"/>
               <a:t>, </a:t>
             </a:r>
             <a:r>
-              <a:rPr lang="en-US" dirty="0" err="1"/>
+              <a:rPr lang="en-US" sz="1800" dirty="0" err="1"/>
               <a:t>vieram</a:t>
             </a:r>
             <a:r>
-              <a:rPr lang="en-US" dirty="0"/>
+              <a:rPr lang="en-US" sz="1800" dirty="0"/>
               <a:t> </a:t>
             </a:r>
             <a:r>
-              <a:rPr lang="en-US" dirty="0" err="1"/>
+              <a:rPr lang="en-US" sz="1800" dirty="0" err="1"/>
               <a:t>também</a:t>
             </a:r>
             <a:r>
-              <a:rPr lang="en-US" dirty="0"/>
+              <a:rPr lang="en-US" sz="1800" dirty="0"/>
               <a:t> </a:t>
             </a:r>
             <a:r>
-              <a:rPr lang="en-US" dirty="0" err="1"/>
+              <a:rPr lang="en-US" sz="1800" dirty="0" err="1"/>
               <a:t>suas</a:t>
             </a:r>
             <a:r>
-              <a:rPr lang="en-US" dirty="0"/>
+              <a:rPr lang="en-US" sz="1800" dirty="0"/>
               <a:t> </a:t>
             </a:r>
             <a:r>
-              <a:rPr lang="en-US" dirty="0" err="1"/>
+              <a:rPr lang="en-US" sz="1800" dirty="0" err="1"/>
               <a:t>complexidades</a:t>
             </a:r>
             <a:r>
-              <a:rPr lang="en-US" dirty="0"/>
+              <a:rPr lang="en-US" sz="1800" dirty="0"/>
               <a:t> </a:t>
             </a:r>
             <a:r>
-              <a:rPr lang="en-US" dirty="0" err="1"/>
+              <a:rPr lang="en-US" sz="1800" dirty="0" err="1"/>
               <a:t>inerentes</a:t>
             </a:r>
             <a:r>
-              <a:rPr lang="en-US" dirty="0"/>
+              <a:rPr lang="en-US" sz="1800" dirty="0"/>
               <a:t>;</a:t>
             </a:r>
           </a:p>
           <a:p>
             <a:pPr lvl="2"/>
             <a:r>
-              <a:rPr lang="en-US" dirty="0" err="1"/>
+              <a:rPr lang="en-US" sz="1800" dirty="0" err="1"/>
               <a:t>Esse</a:t>
             </a:r>
             <a:r>
-              <a:rPr lang="en-US" dirty="0"/>
+              <a:rPr lang="en-US" sz="1800" dirty="0"/>
               <a:t> </a:t>
             </a:r>
             <a:r>
-              <a:rPr lang="en-US" dirty="0" err="1"/>
+              <a:rPr lang="en-US" sz="1800" dirty="0" err="1"/>
               <a:t>crescimento</a:t>
             </a:r>
             <a:r>
-              <a:rPr lang="en-US" dirty="0"/>
+              <a:rPr lang="en-US" sz="1800" dirty="0"/>
               <a:t> </a:t>
             </a:r>
             <a:r>
-              <a:rPr lang="en-US" dirty="0" err="1"/>
+              <a:rPr lang="en-US" sz="1800" dirty="0" err="1"/>
               <a:t>computacional</a:t>
             </a:r>
             <a:r>
-              <a:rPr lang="en-US" dirty="0"/>
+              <a:rPr lang="en-US" sz="1800" dirty="0"/>
               <a:t> é o que </a:t>
             </a:r>
             <a:r>
-              <a:rPr lang="en-US" dirty="0" err="1"/>
+              <a:rPr lang="en-US" sz="1800" dirty="0" err="1"/>
               <a:t>permitiu</a:t>
             </a:r>
             <a:r>
-              <a:rPr lang="en-US" dirty="0"/>
+              <a:rPr lang="en-US" sz="1800" dirty="0"/>
               <a:t> o </a:t>
             </a:r>
             <a:r>
-              <a:rPr lang="en-US" dirty="0" err="1"/>
+              <a:rPr lang="en-US" sz="1800" dirty="0" err="1"/>
               <a:t>grande</a:t>
             </a:r>
             <a:r>
-              <a:rPr lang="en-US" dirty="0"/>
+              <a:rPr lang="en-US" sz="1800" dirty="0"/>
               <a:t> volume de </a:t>
             </a:r>
             <a:r>
-              <a:rPr lang="en-US" dirty="0" err="1"/>
+              <a:rPr lang="en-US" sz="1800" dirty="0" err="1"/>
               <a:t>acesso</a:t>
             </a:r>
             <a:r>
-              <a:rPr lang="en-US" dirty="0"/>
+              <a:rPr lang="en-US" sz="1800" dirty="0"/>
               <a:t> as </a:t>
             </a:r>
             <a:r>
-              <a:rPr lang="en-US" dirty="0" err="1"/>
+              <a:rPr lang="en-US" sz="1800" dirty="0" err="1"/>
               <a:t>soluções</a:t>
             </a:r>
             <a:r>
-              <a:rPr lang="en-US" dirty="0"/>
+              <a:rPr lang="en-US" sz="1800" dirty="0"/>
               <a:t> que </a:t>
             </a:r>
             <a:r>
-              <a:rPr lang="en-US" dirty="0" err="1"/>
+              <a:rPr lang="en-US" sz="1800" dirty="0" err="1"/>
               <a:t>temos</a:t>
             </a:r>
             <a:r>
-              <a:rPr lang="en-US" dirty="0"/>
+              <a:rPr lang="en-US" sz="1800" dirty="0"/>
               <a:t> </a:t>
             </a:r>
             <a:r>
-              <a:rPr lang="en-US" dirty="0" err="1"/>
+              <a:rPr lang="en-US" sz="1800" dirty="0" err="1"/>
               <a:t>hoje</a:t>
             </a:r>
             <a:r>
-              <a:rPr lang="en-US" dirty="0"/>
+              <a:rPr lang="en-US" sz="1800" dirty="0"/>
               <a:t>. Mas </a:t>
             </a:r>
             <a:r>
-              <a:rPr lang="en-US" dirty="0" err="1"/>
+              <a:rPr lang="en-US" sz="1800" dirty="0" err="1"/>
               <a:t>esse</a:t>
             </a:r>
             <a:r>
-              <a:rPr lang="en-US" dirty="0"/>
+              <a:rPr lang="en-US" sz="1800" dirty="0"/>
               <a:t> </a:t>
             </a:r>
             <a:r>
-              <a:rPr lang="en-US" dirty="0" err="1"/>
+              <a:rPr lang="en-US" sz="1800" dirty="0" err="1"/>
               <a:t>crescimento</a:t>
             </a:r>
             <a:r>
-              <a:rPr lang="en-US" dirty="0"/>
+              <a:rPr lang="en-US" sz="1800" dirty="0"/>
               <a:t> </a:t>
             </a:r>
             <a:r>
-              <a:rPr lang="en-US" dirty="0" err="1"/>
+              <a:rPr lang="en-US" sz="1800" dirty="0" err="1"/>
               <a:t>teve</a:t>
             </a:r>
             <a:r>
-              <a:rPr lang="en-US" dirty="0"/>
+              <a:rPr lang="en-US" sz="1800" dirty="0"/>
               <a:t> um </a:t>
             </a:r>
             <a:r>
-              <a:rPr lang="en-US" dirty="0" err="1"/>
+              <a:rPr lang="en-US" sz="1800" dirty="0" err="1"/>
               <a:t>custo</a:t>
             </a:r>
             <a:r>
-              <a:rPr lang="en-US" dirty="0"/>
+              <a:rPr lang="en-US" sz="1800" dirty="0"/>
               <a:t>.</a:t>
             </a:r>
           </a:p>
           <a:p>
             <a:pPr lvl="3"/>
             <a:r>
-              <a:rPr lang="en-US" dirty="0" err="1"/>
+              <a:rPr lang="en-US" sz="1600" dirty="0" err="1"/>
               <a:t>Computação</a:t>
             </a:r>
             <a:r>
-              <a:rPr lang="en-US" dirty="0"/>
+              <a:rPr lang="en-US" sz="1600" dirty="0"/>
               <a:t> </a:t>
             </a:r>
             <a:r>
-              <a:rPr lang="en-US" dirty="0" err="1"/>
+              <a:rPr lang="en-US" sz="1600" dirty="0" err="1"/>
               <a:t>em</a:t>
             </a:r>
             <a:r>
-              <a:rPr lang="en-US" dirty="0"/>
+              <a:rPr lang="en-US" sz="1600" dirty="0"/>
               <a:t> </a:t>
             </a:r>
             <a:r>
-              <a:rPr lang="en-US" dirty="0" err="1"/>
+              <a:rPr lang="en-US" sz="1600" dirty="0" err="1"/>
               <a:t>Nuvem</a:t>
             </a:r>
             <a:r>
-              <a:rPr lang="en-US" dirty="0"/>
+              <a:rPr lang="en-US" sz="1600" dirty="0"/>
               <a:t> </a:t>
             </a:r>
             <a:r>
-              <a:rPr lang="en-US" dirty="0" err="1"/>
+              <a:rPr lang="en-US" sz="1600" dirty="0" err="1"/>
               <a:t>Não</a:t>
             </a:r>
             <a:r>
-              <a:rPr lang="en-US" dirty="0"/>
+              <a:rPr lang="en-US" sz="1600" dirty="0"/>
               <a:t> </a:t>
             </a:r>
             <a:r>
-              <a:rPr lang="en-US" dirty="0" err="1"/>
+              <a:rPr lang="en-US" sz="1600" dirty="0" err="1"/>
               <a:t>veio</a:t>
             </a:r>
             <a:r>
-              <a:rPr lang="en-US" dirty="0"/>
+              <a:rPr lang="en-US" sz="1600" dirty="0"/>
               <a:t> </a:t>
             </a:r>
             <a:r>
-              <a:rPr lang="en-US" dirty="0" err="1"/>
+              <a:rPr lang="en-US" sz="1600" dirty="0" err="1"/>
               <a:t>Sozinha</a:t>
             </a:r>
             <a:r>
-              <a:rPr lang="en-US" dirty="0"/>
+              <a:rPr lang="en-US" sz="1600" dirty="0"/>
               <a:t> </a:t>
             </a:r>
           </a:p>
           <a:p>
             <a:pPr lvl="4"/>
             <a:r>
-              <a:rPr lang="en-US" dirty="0" err="1"/>
+              <a:rPr lang="en-US" sz="1600" dirty="0" err="1"/>
               <a:t>Evoluções</a:t>
             </a:r>
             <a:r>
-              <a:rPr lang="en-US" dirty="0"/>
+              <a:rPr lang="en-US" sz="1600" dirty="0"/>
               <a:t> </a:t>
             </a:r>
             <a:r>
-              <a:rPr lang="en-US" dirty="0" err="1"/>
+              <a:rPr lang="en-US" sz="1600" dirty="0" err="1"/>
               <a:t>em</a:t>
             </a:r>
             <a:r>
-              <a:rPr lang="en-US" dirty="0"/>
+              <a:rPr lang="en-US" sz="1600" dirty="0"/>
               <a:t> </a:t>
             </a:r>
             <a:r>
-              <a:rPr lang="en-US" dirty="0" err="1"/>
+              <a:rPr lang="en-US" sz="1600" dirty="0" err="1"/>
               <a:t>todos</a:t>
             </a:r>
             <a:r>
-              <a:rPr lang="en-US" dirty="0"/>
+              <a:rPr lang="en-US" sz="1600" dirty="0"/>
               <a:t> </a:t>
             </a:r>
             <a:r>
-              <a:rPr lang="en-US" dirty="0" err="1"/>
+              <a:rPr lang="en-US" sz="1600" dirty="0" err="1"/>
               <a:t>os</a:t>
             </a:r>
             <a:r>
-              <a:rPr lang="en-US" dirty="0"/>
+              <a:rPr lang="en-US" sz="1600" dirty="0"/>
               <a:t> </a:t>
             </a:r>
             <a:r>
-              <a:rPr lang="en-US" dirty="0" err="1"/>
+              <a:rPr lang="en-US" sz="1600" dirty="0" err="1"/>
               <a:t>aspectos</a:t>
             </a:r>
             <a:r>
-              <a:rPr lang="en-US" dirty="0"/>
+              <a:rPr lang="en-US" sz="1600" dirty="0"/>
               <a:t> </a:t>
             </a:r>
             <a:r>
-              <a:rPr lang="en-US" dirty="0" err="1"/>
+              <a:rPr lang="en-US" sz="1600" dirty="0" err="1"/>
               <a:t>computacionais</a:t>
             </a:r>
             <a:r>
-              <a:rPr lang="en-US" dirty="0"/>
+              <a:rPr lang="en-US" sz="1600" dirty="0"/>
               <a:t> e stacks que </a:t>
             </a:r>
             <a:r>
-              <a:rPr lang="en-US" dirty="0" err="1"/>
+              <a:rPr lang="en-US" sz="1600" dirty="0" err="1"/>
               <a:t>compõem</a:t>
             </a:r>
             <a:r>
-              <a:rPr lang="en-US" dirty="0"/>
+              <a:rPr lang="en-US" sz="1600" dirty="0"/>
               <a:t> um </a:t>
             </a:r>
             <a:r>
-              <a:rPr lang="en-US" dirty="0" err="1"/>
+              <a:rPr lang="en-US" sz="1600" dirty="0" err="1"/>
               <a:t>computador</a:t>
             </a:r>
             <a:r>
-              <a:rPr lang="en-US" dirty="0"/>
+              <a:rPr lang="en-US" sz="1600" dirty="0"/>
               <a:t>, </a:t>
             </a:r>
             <a:r>
-              <a:rPr lang="en-US" dirty="0" err="1"/>
+              <a:rPr lang="en-US" sz="1600" dirty="0" err="1"/>
               <a:t>servidor</a:t>
             </a:r>
             <a:r>
-              <a:rPr lang="en-US" dirty="0"/>
+              <a:rPr lang="en-US" sz="1600" dirty="0"/>
               <a:t> </a:t>
             </a:r>
             <a:r>
-              <a:rPr lang="en-US" dirty="0" err="1"/>
+              <a:rPr lang="en-US" sz="1600" dirty="0" err="1"/>
               <a:t>ou</a:t>
             </a:r>
             <a:r>
-              <a:rPr lang="en-US" dirty="0"/>
+              <a:rPr lang="en-US" sz="1600" dirty="0"/>
               <a:t> </a:t>
             </a:r>
             <a:r>
-              <a:rPr lang="en-US" dirty="0" err="1"/>
+              <a:rPr lang="en-US" sz="1600" dirty="0" err="1"/>
               <a:t>mesmo</a:t>
             </a:r>
             <a:r>
-              <a:rPr lang="en-US" dirty="0"/>
+              <a:rPr lang="en-US" sz="1600" dirty="0"/>
               <a:t> um datacenter </a:t>
             </a:r>
             <a:r>
-              <a:rPr lang="en-US" dirty="0" err="1"/>
+              <a:rPr lang="en-US" sz="1600" dirty="0" err="1"/>
               <a:t>inteiro</a:t>
             </a:r>
             <a:r>
-              <a:rPr lang="en-US" dirty="0"/>
+              <a:rPr lang="en-US" sz="1600" dirty="0"/>
               <a:t> </a:t>
             </a:r>
             <a:r>
-              <a:rPr lang="en-US" dirty="0" err="1"/>
+              <a:rPr lang="en-US" sz="1600" dirty="0" err="1"/>
               <a:t>como</a:t>
             </a:r>
             <a:r>
-              <a:rPr lang="en-US" dirty="0"/>
+              <a:rPr lang="en-US" sz="1600" dirty="0"/>
               <a:t>: </a:t>
             </a:r>
             <a:r>
-              <a:rPr lang="en-US" b="1" dirty="0" err="1"/>
+              <a:rPr lang="en-US" sz="1600" b="1" dirty="0" err="1"/>
               <a:t>Computação</a:t>
             </a:r>
             <a:r>
-              <a:rPr lang="en-US" b="1" dirty="0"/>
+              <a:rPr lang="en-US" sz="1600" b="1" dirty="0"/>
               <a:t> (</a:t>
             </a:r>
             <a:r>
-              <a:rPr lang="en-US" b="1" dirty="0" err="1"/>
+              <a:rPr lang="en-US" sz="1600" b="1" dirty="0" err="1"/>
               <a:t>processadores</a:t>
             </a:r>
             <a:r>
-              <a:rPr lang="en-US" b="1" dirty="0"/>
+              <a:rPr lang="en-US" sz="1600" b="1" dirty="0"/>
               <a:t>),</a:t>
             </a:r>
             <a:r>
-              <a:rPr lang="en-US" dirty="0"/>
+              <a:rPr lang="en-US" sz="1600" dirty="0"/>
               <a:t> </a:t>
             </a:r>
             <a:r>
-              <a:rPr lang="en-US" b="1" dirty="0"/>
+              <a:rPr lang="en-US" sz="1600" b="1" dirty="0"/>
               <a:t>Rede, Storage, </a:t>
             </a:r>
             <a:r>
-              <a:rPr lang="en-US" b="1" dirty="0" err="1"/>
+              <a:rPr lang="en-US" sz="1600" b="1" dirty="0" err="1"/>
               <a:t>Servidores</a:t>
             </a:r>
             <a:r>
-              <a:rPr lang="en-US" b="1" dirty="0"/>
+              <a:rPr lang="en-US" sz="1600" b="1" dirty="0"/>
               <a:t>, </a:t>
             </a:r>
             <a:r>
-              <a:rPr lang="en-US" b="1" dirty="0" err="1"/>
+              <a:rPr lang="en-US" sz="1600" b="1" dirty="0" err="1"/>
               <a:t>Virtualização</a:t>
             </a:r>
             <a:r>
-              <a:rPr lang="en-US" b="1" dirty="0"/>
+              <a:rPr lang="en-US" sz="1600" b="1" dirty="0"/>
               <a:t>, SO (</a:t>
             </a:r>
             <a:r>
-              <a:rPr lang="en-US" b="1" dirty="0" err="1"/>
+              <a:rPr lang="en-US" sz="1600" b="1" dirty="0" err="1"/>
               <a:t>Escala</a:t>
             </a:r>
             <a:r>
-              <a:rPr lang="en-US" b="1" dirty="0"/>
+              <a:rPr lang="en-US" sz="1600" b="1" dirty="0"/>
               <a:t> de DC-Hardware), </a:t>
             </a:r>
             <a:r>
-              <a:rPr lang="en-US" b="1" dirty="0" err="1"/>
+              <a:rPr lang="en-US" sz="1600" b="1" dirty="0" err="1"/>
               <a:t>Gestão</a:t>
             </a:r>
             <a:r>
-              <a:rPr lang="en-US" b="1" dirty="0"/>
+              <a:rPr lang="en-US" sz="1600" b="1" dirty="0"/>
               <a:t> (</a:t>
             </a:r>
             <a:r>
-              <a:rPr lang="en-US" b="1" dirty="0" err="1"/>
+              <a:rPr lang="en-US" sz="1600" b="1" dirty="0" err="1"/>
               <a:t>Controlado</a:t>
             </a:r>
             <a:r>
-              <a:rPr lang="en-US" b="1" dirty="0"/>
+              <a:rPr lang="en-US" sz="1600" b="1" dirty="0"/>
               <a:t> </a:t>
             </a:r>
             <a:r>
-              <a:rPr lang="en-US" b="1" dirty="0" err="1"/>
+              <a:rPr lang="en-US" sz="1600" b="1" dirty="0" err="1"/>
               <a:t>por</a:t>
             </a:r>
             <a:r>
-              <a:rPr lang="en-US" b="1" dirty="0"/>
+              <a:rPr lang="en-US" sz="1600" b="1" dirty="0"/>
               <a:t> software) etc</a:t>
             </a:r>
             <a:r>
-              <a:rPr lang="en-US" dirty="0"/>
+              <a:rPr lang="en-US" sz="1600" dirty="0"/>
               <a:t>.</a:t>
             </a:r>
           </a:p>
           <a:p>
             <a:pPr lvl="2"/>
             <a:r>
-              <a:rPr lang="en-US" dirty="0" err="1"/>
+              <a:rPr lang="en-US" sz="1800" dirty="0" err="1"/>
               <a:t>Os</a:t>
             </a:r>
             <a:r>
-              <a:rPr lang="en-US" dirty="0"/>
+              <a:rPr lang="en-US" sz="1800" dirty="0"/>
               <a:t> datacenters das </a:t>
             </a:r>
             <a:r>
-              <a:rPr lang="en-US" dirty="0" err="1"/>
+              <a:rPr lang="en-US" sz="1800" dirty="0" err="1"/>
               <a:t>empresas</a:t>
             </a:r>
             <a:r>
-              <a:rPr lang="en-US" dirty="0"/>
+              <a:rPr lang="en-US" sz="1800" dirty="0"/>
               <a:t> </a:t>
             </a:r>
             <a:r>
-              <a:rPr lang="en-US" dirty="0" err="1"/>
+              <a:rPr lang="en-US" sz="1800" dirty="0" err="1"/>
               <a:t>atingiram</a:t>
             </a:r>
             <a:r>
-              <a:rPr lang="en-US" dirty="0"/>
+              <a:rPr lang="en-US" sz="1800" dirty="0"/>
               <a:t> </a:t>
             </a:r>
             <a:r>
-              <a:rPr lang="en-US" dirty="0" err="1"/>
+              <a:rPr lang="en-US" sz="1800" dirty="0" err="1"/>
               <a:t>seu</a:t>
             </a:r>
             <a:r>
-              <a:rPr lang="en-US" dirty="0"/>
+              <a:rPr lang="en-US" sz="1800" dirty="0"/>
               <a:t> </a:t>
             </a:r>
             <a:r>
-              <a:rPr lang="en-US" dirty="0" err="1"/>
+              <a:rPr lang="en-US" sz="1800" dirty="0" err="1"/>
               <a:t>potencial</a:t>
             </a:r>
             <a:r>
-              <a:rPr lang="en-US" dirty="0"/>
+              <a:rPr lang="en-US" sz="1800" dirty="0"/>
               <a:t> </a:t>
             </a:r>
             <a:r>
-              <a:rPr lang="en-US" dirty="0" err="1"/>
+              <a:rPr lang="en-US" sz="1800" dirty="0" err="1"/>
               <a:t>máximo</a:t>
             </a:r>
             <a:r>
-              <a:rPr lang="en-US" dirty="0"/>
+              <a:rPr lang="en-US" sz="1800" dirty="0"/>
               <a:t> e </a:t>
             </a:r>
             <a:r>
-              <a:rPr lang="en-US" dirty="0" err="1"/>
+              <a:rPr lang="en-US" sz="1800" dirty="0" err="1"/>
               <a:t>crescer</a:t>
             </a:r>
             <a:r>
-              <a:rPr lang="en-US" dirty="0"/>
+              <a:rPr lang="en-US" sz="1800" dirty="0"/>
               <a:t> </a:t>
             </a:r>
             <a:r>
-              <a:rPr lang="en-US" dirty="0" err="1"/>
+              <a:rPr lang="en-US" sz="1800" dirty="0" err="1"/>
               <a:t>além</a:t>
             </a:r>
             <a:r>
-              <a:rPr lang="en-US" dirty="0"/>
+              <a:rPr lang="en-US" sz="1800" dirty="0"/>
               <a:t> </a:t>
             </a:r>
             <a:r>
-              <a:rPr lang="en-US" dirty="0" err="1"/>
+              <a:rPr lang="en-US" sz="1800" dirty="0" err="1"/>
               <a:t>disso</a:t>
             </a:r>
             <a:r>
-              <a:rPr lang="en-US" dirty="0"/>
+              <a:rPr lang="en-US" sz="1800" dirty="0"/>
               <a:t>, </a:t>
             </a:r>
             <a:r>
-              <a:rPr lang="en-US" dirty="0" err="1"/>
+              <a:rPr lang="en-US" sz="1800" dirty="0" err="1"/>
               <a:t>atendendo</a:t>
             </a:r>
             <a:r>
-              <a:rPr lang="en-US" dirty="0"/>
+              <a:rPr lang="en-US" sz="1800" dirty="0"/>
               <a:t> as </a:t>
             </a:r>
             <a:r>
-              <a:rPr lang="en-US" dirty="0" err="1"/>
+              <a:rPr lang="en-US" sz="1800" dirty="0" err="1"/>
               <a:t>demandas</a:t>
             </a:r>
             <a:r>
-              <a:rPr lang="en-US" dirty="0"/>
+              <a:rPr lang="en-US" sz="1800" dirty="0"/>
               <a:t> de </a:t>
             </a:r>
             <a:r>
-              <a:rPr lang="en-US" dirty="0" err="1"/>
+              <a:rPr lang="en-US" sz="1800" dirty="0" err="1"/>
               <a:t>negócios</a:t>
             </a:r>
             <a:r>
-              <a:rPr lang="en-US" dirty="0"/>
+              <a:rPr lang="en-US" sz="1800" dirty="0"/>
               <a:t> </a:t>
             </a:r>
             <a:r>
-              <a:rPr lang="en-US" dirty="0" err="1"/>
+              <a:rPr lang="en-US" sz="1800" dirty="0" err="1"/>
               <a:t>na</a:t>
             </a:r>
             <a:r>
-              <a:rPr lang="en-US" dirty="0"/>
+              <a:rPr lang="en-US" sz="1800" dirty="0"/>
               <a:t> era da Internet, </a:t>
             </a:r>
             <a:r>
-              <a:rPr lang="en-US" dirty="0" err="1"/>
+              <a:rPr lang="en-US" sz="1800" dirty="0" err="1"/>
               <a:t>requer</a:t>
             </a:r>
             <a:r>
-              <a:rPr lang="en-US" dirty="0"/>
+              <a:rPr lang="en-US" sz="1800" dirty="0"/>
               <a:t> </a:t>
             </a:r>
             <a:r>
-              <a:rPr lang="en-US" dirty="0" err="1"/>
+              <a:rPr lang="en-US" sz="1800" dirty="0" err="1"/>
               <a:t>uma</a:t>
             </a:r>
             <a:r>
-              <a:rPr lang="en-US" dirty="0"/>
+              <a:rPr lang="en-US" sz="1800" dirty="0"/>
               <a:t> </a:t>
             </a:r>
             <a:r>
-              <a:rPr lang="en-US" dirty="0" err="1"/>
+              <a:rPr lang="en-US" sz="1800" dirty="0" err="1"/>
               <a:t>ruptura</a:t>
             </a:r>
             <a:r>
-              <a:rPr lang="en-US" dirty="0"/>
+              <a:rPr lang="en-US" sz="1800" dirty="0"/>
               <a:t> no </a:t>
             </a:r>
             <a:r>
-              <a:rPr lang="en-US" dirty="0" err="1"/>
+              <a:rPr lang="en-US" sz="1800" dirty="0" err="1"/>
               <a:t>modelo</a:t>
             </a:r>
             <a:r>
-              <a:rPr lang="en-US" dirty="0"/>
+              <a:rPr lang="en-US" sz="1800" dirty="0"/>
               <a:t> </a:t>
             </a:r>
             <a:r>
-              <a:rPr lang="en-US" dirty="0" err="1"/>
+              <a:rPr lang="en-US" sz="1800" dirty="0" err="1"/>
               <a:t>atual</a:t>
             </a:r>
             <a:r>
-              <a:rPr lang="en-US" dirty="0"/>
+              <a:rPr lang="en-US" sz="1800" dirty="0"/>
               <a:t> de </a:t>
             </a:r>
             <a:r>
-              <a:rPr lang="en-US" dirty="0" err="1"/>
+              <a:rPr lang="en-US" sz="1800" dirty="0" err="1"/>
               <a:t>computação</a:t>
             </a:r>
             <a:r>
-              <a:rPr lang="en-US" dirty="0"/>
+              <a:rPr lang="en-US" sz="1800" dirty="0"/>
               <a:t>. </a:t>
             </a:r>
             <a:r>
-              <a:rPr lang="en-US" dirty="0" err="1"/>
+              <a:rPr lang="en-US" sz="1800" dirty="0" err="1"/>
               <a:t>Ruptura</a:t>
             </a:r>
             <a:r>
-              <a:rPr lang="en-US" dirty="0"/>
+              <a:rPr lang="en-US" sz="1800" dirty="0"/>
               <a:t> </a:t>
             </a:r>
             <a:r>
-              <a:rPr lang="en-US" dirty="0" err="1"/>
+              <a:rPr lang="en-US" sz="1800" dirty="0" err="1"/>
               <a:t>essa</a:t>
             </a:r>
             <a:r>
-              <a:rPr lang="en-US" dirty="0"/>
+              <a:rPr lang="en-US" sz="1800" dirty="0"/>
               <a:t>, </a:t>
             </a:r>
             <a:r>
-              <a:rPr lang="en-US" dirty="0" err="1"/>
+              <a:rPr lang="en-US" sz="1800" dirty="0" err="1"/>
               <a:t>chamada</a:t>
             </a:r>
             <a:r>
-              <a:rPr lang="en-US" dirty="0"/>
+              <a:rPr lang="en-US" sz="1800" dirty="0"/>
               <a:t> </a:t>
             </a:r>
             <a:r>
-              <a:rPr lang="en-US" dirty="0" err="1"/>
+              <a:rPr lang="en-US" sz="1800" dirty="0" err="1"/>
               <a:t>pelo</a:t>
             </a:r>
             <a:r>
-              <a:rPr lang="en-US" dirty="0"/>
+              <a:rPr lang="en-US" sz="1800" dirty="0"/>
               <a:t> Mercado de </a:t>
             </a:r>
             <a:r>
-              <a:rPr lang="en-US" dirty="0" err="1"/>
+              <a:rPr lang="en-US" sz="1800" dirty="0" err="1"/>
               <a:t>Computação</a:t>
             </a:r>
             <a:r>
-              <a:rPr lang="en-US" dirty="0"/>
+              <a:rPr lang="en-US" sz="1800" dirty="0"/>
               <a:t> </a:t>
             </a:r>
             <a:r>
-              <a:rPr lang="en-US" dirty="0" err="1"/>
+              <a:rPr lang="en-US" sz="1800" dirty="0" err="1"/>
               <a:t>em</a:t>
             </a:r>
             <a:r>
-              <a:rPr lang="en-US" dirty="0"/>
+              <a:rPr lang="en-US" sz="1800" dirty="0"/>
               <a:t> </a:t>
             </a:r>
             <a:r>
-              <a:rPr lang="en-US" dirty="0" err="1"/>
+              <a:rPr lang="en-US" sz="1800" dirty="0" err="1"/>
               <a:t>Nuvem</a:t>
             </a:r>
             <a:r>
-              <a:rPr lang="en-US" dirty="0"/>
+              <a:rPr lang="en-US" sz="1800" dirty="0"/>
               <a:t>.</a:t>
             </a:r>
           </a:p>
           <a:p>
             <a:pPr lvl="1"/>
             <a:r>
-              <a:rPr lang="en-US" dirty="0"/>
+              <a:rPr lang="en-US" sz="2000" dirty="0"/>
               <a:t>Estrada para a </a:t>
             </a:r>
             <a:r>
-              <a:rPr lang="en-US" dirty="0" err="1"/>
+              <a:rPr lang="en-US" sz="2000" dirty="0" err="1"/>
               <a:t>Transformação</a:t>
             </a:r>
             <a:r>
-              <a:rPr lang="en-US" dirty="0"/>
+              <a:rPr lang="en-US" sz="2000" dirty="0"/>
               <a:t> Digital</a:t>
             </a:r>
           </a:p>
           <a:p>
             <a:pPr lvl="2"/>
-            <a:endParaRPr lang="en-US" dirty="0"/>
+            <a:endParaRPr lang="en-US" sz="1800" dirty="0"/>
           </a:p>
         </p:txBody>
       </p:sp>
